--- a/NIST_Data_Leakage_Case/NIST_Data_Leakage_09_Win_searchDB_csvsql.pptx
+++ b/NIST_Data_Leakage_Case/NIST_Data_Leakage_09_Win_searchDB_csvsql.pptx
@@ -155,18 +155,6 @@
 </p:presentation>
 </file>
 
-<file path=ppt/revisionInfo.xml><?xml version="1.0" encoding="utf-8"?>
-<p1510:revInfo xmlns:a="http://schemas.openxmlformats.org/drawingml/2006/main" xmlns:r="http://schemas.openxmlformats.org/officeDocument/2006/relationships" xmlns:p1510="http://schemas.microsoft.com/office/powerpoint/2015/10/main">
-  <p1510:revLst>
-    <p1510:client id="{1145B16C-5E93-681B-B9BA-C7C9CDE20735}" v="10" dt="2020-10-22T20:25:25.022"/>
-    <p1510:client id="{1CD4744B-46E9-485E-8B11-DDA791EF49FF}" v="7" dt="2020-10-19T08:22:19.562"/>
-    <p1510:client id="{3C4D28D1-A732-6F55-D98A-16C341EE868F}" v="1" dt="2020-12-18T03:35:02.540"/>
-    <p1510:client id="{958F2B95-A119-46FD-A9C8-D15EFF7E5855}" v="1" dt="2020-10-26T10:32:09.184"/>
-    <p1510:client id="{B83D6D4A-8526-ED03-5564-28094B8B860F}" v="1" dt="2020-10-14T02:33:05.698"/>
-  </p1510:revLst>
-</p1510:revInfo>
-</file>
-
 <file path=ppt/changesInfos/changesInfo1.xml><?xml version="1.0" encoding="utf-8"?>
 <pc:chgInfo xmlns:a="http://schemas.openxmlformats.org/drawingml/2006/main" xmlns:r="http://schemas.openxmlformats.org/officeDocument/2006/relationships" xmlns:ac="http://schemas.microsoft.com/office/drawing/2013/main/command" xmlns:pc="http://schemas.microsoft.com/office/powerpoint/2013/main/command">
   <pc:docChgLst>
@@ -194,26 +182,18 @@
     </pc:docChg>
   </pc:docChgLst>
   <pc:docChgLst>
-    <pc:chgData name="Richard Wheeless" userId="S::id63la41@ubalt.edu::edf7d7f9-5d95-4eec-886d-0f745236a21b" providerId="AD" clId="Web-{1145B16C-5E93-681B-B9BA-C7C9CDE20735}"/>
-    <pc:docChg chg="modSld">
-      <pc:chgData name="Richard Wheeless" userId="S::id63la41@ubalt.edu::edf7d7f9-5d95-4eec-886d-0f745236a21b" providerId="AD" clId="Web-{1145B16C-5E93-681B-B9BA-C7C9CDE20735}" dt="2020-10-22T20:25:25.022" v="9" actId="1076"/>
+    <pc:chgData name="Richard Wheeless" userId="S::id63la41@ubalt.edu::edf7d7f9-5d95-4eec-886d-0f745236a21b" providerId="AD" clId="Web-{958F2B95-A119-46FD-A9C8-D15EFF7E5855}"/>
+    <pc:docChg chg="sldOrd">
+      <pc:chgData name="Richard Wheeless" userId="S::id63la41@ubalt.edu::edf7d7f9-5d95-4eec-886d-0f745236a21b" providerId="AD" clId="Web-{958F2B95-A119-46FD-A9C8-D15EFF7E5855}" dt="2020-10-26T10:32:09.184" v="0"/>
       <pc:docMkLst>
         <pc:docMk/>
       </pc:docMkLst>
-      <pc:sldChg chg="modSp">
-        <pc:chgData name="Richard Wheeless" userId="S::id63la41@ubalt.edu::edf7d7f9-5d95-4eec-886d-0f745236a21b" providerId="AD" clId="Web-{1145B16C-5E93-681B-B9BA-C7C9CDE20735}" dt="2020-10-22T20:25:25.022" v="9" actId="1076"/>
+      <pc:sldChg chg="ord">
+        <pc:chgData name="Richard Wheeless" userId="S::id63la41@ubalt.edu::edf7d7f9-5d95-4eec-886d-0f745236a21b" providerId="AD" clId="Web-{958F2B95-A119-46FD-A9C8-D15EFF7E5855}" dt="2020-10-26T10:32:09.184" v="0"/>
         <pc:sldMkLst>
           <pc:docMk/>
-          <pc:sldMk cId="244327251" sldId="272"/>
+          <pc:sldMk cId="3280354511" sldId="273"/>
         </pc:sldMkLst>
-        <pc:picChg chg="mod">
-          <ac:chgData name="Richard Wheeless" userId="S::id63la41@ubalt.edu::edf7d7f9-5d95-4eec-886d-0f745236a21b" providerId="AD" clId="Web-{1145B16C-5E93-681B-B9BA-C7C9CDE20735}" dt="2020-10-22T20:25:25.022" v="9" actId="1076"/>
-          <ac:picMkLst>
-            <pc:docMk/>
-            <pc:sldMk cId="244327251" sldId="272"/>
-            <ac:picMk id="4" creationId="{00000000-0000-0000-0000-000000000000}"/>
-          </ac:picMkLst>
-        </pc:picChg>
       </pc:sldChg>
     </pc:docChg>
   </pc:docChgLst>
@@ -266,18 +246,50 @@
     </pc:docChg>
   </pc:docChgLst>
   <pc:docChgLst>
-    <pc:chgData name="Richard Wheeless" userId="S::id63la41@ubalt.edu::edf7d7f9-5d95-4eec-886d-0f745236a21b" providerId="AD" clId="Web-{958F2B95-A119-46FD-A9C8-D15EFF7E5855}"/>
-    <pc:docChg chg="sldOrd">
-      <pc:chgData name="Richard Wheeless" userId="S::id63la41@ubalt.edu::edf7d7f9-5d95-4eec-886d-0f745236a21b" providerId="AD" clId="Web-{958F2B95-A119-46FD-A9C8-D15EFF7E5855}" dt="2020-10-26T10:32:09.184" v="0"/>
+    <pc:chgData name="Weifeng Xu" userId="e7aed605-a3dd-4d5a-a692-a87037af107b" providerId="ADAL" clId="{2F322E22-C11D-43B6-9300-835EAB74527F}"/>
+    <pc:docChg chg="custSel modSld">
+      <pc:chgData name="Weifeng Xu" userId="e7aed605-a3dd-4d5a-a692-a87037af107b" providerId="ADAL" clId="{2F322E22-C11D-43B6-9300-835EAB74527F}" dt="2021-11-06T00:10:53.109" v="0" actId="33524"/>
       <pc:docMkLst>
         <pc:docMk/>
       </pc:docMkLst>
-      <pc:sldChg chg="ord">
-        <pc:chgData name="Richard Wheeless" userId="S::id63la41@ubalt.edu::edf7d7f9-5d95-4eec-886d-0f745236a21b" providerId="AD" clId="Web-{958F2B95-A119-46FD-A9C8-D15EFF7E5855}" dt="2020-10-26T10:32:09.184" v="0"/>
+      <pc:sldChg chg="modSp mod">
+        <pc:chgData name="Weifeng Xu" userId="e7aed605-a3dd-4d5a-a692-a87037af107b" providerId="ADAL" clId="{2F322E22-C11D-43B6-9300-835EAB74527F}" dt="2021-11-06T00:10:53.109" v="0" actId="33524"/>
         <pc:sldMkLst>
           <pc:docMk/>
-          <pc:sldMk cId="3280354511" sldId="273"/>
+          <pc:sldMk cId="799867474" sldId="257"/>
         </pc:sldMkLst>
+        <pc:spChg chg="mod">
+          <ac:chgData name="Weifeng Xu" userId="e7aed605-a3dd-4d5a-a692-a87037af107b" providerId="ADAL" clId="{2F322E22-C11D-43B6-9300-835EAB74527F}" dt="2021-11-06T00:10:53.109" v="0" actId="33524"/>
+          <ac:spMkLst>
+            <pc:docMk/>
+            <pc:sldMk cId="799867474" sldId="257"/>
+            <ac:spMk id="6" creationId="{00000000-0000-0000-0000-000000000000}"/>
+          </ac:spMkLst>
+        </pc:spChg>
+      </pc:sldChg>
+    </pc:docChg>
+  </pc:docChgLst>
+  <pc:docChgLst>
+    <pc:chgData name="Richard Wheeless" userId="S::id63la41@ubalt.edu::edf7d7f9-5d95-4eec-886d-0f745236a21b" providerId="AD" clId="Web-{1145B16C-5E93-681B-B9BA-C7C9CDE20735}"/>
+    <pc:docChg chg="modSld">
+      <pc:chgData name="Richard Wheeless" userId="S::id63la41@ubalt.edu::edf7d7f9-5d95-4eec-886d-0f745236a21b" providerId="AD" clId="Web-{1145B16C-5E93-681B-B9BA-C7C9CDE20735}" dt="2020-10-22T20:25:25.022" v="9" actId="1076"/>
+      <pc:docMkLst>
+        <pc:docMk/>
+      </pc:docMkLst>
+      <pc:sldChg chg="modSp">
+        <pc:chgData name="Richard Wheeless" userId="S::id63la41@ubalt.edu::edf7d7f9-5d95-4eec-886d-0f745236a21b" providerId="AD" clId="Web-{1145B16C-5E93-681B-B9BA-C7C9CDE20735}" dt="2020-10-22T20:25:25.022" v="9" actId="1076"/>
+        <pc:sldMkLst>
+          <pc:docMk/>
+          <pc:sldMk cId="244327251" sldId="272"/>
+        </pc:sldMkLst>
+        <pc:picChg chg="mod">
+          <ac:chgData name="Richard Wheeless" userId="S::id63la41@ubalt.edu::edf7d7f9-5d95-4eec-886d-0f745236a21b" providerId="AD" clId="Web-{1145B16C-5E93-681B-B9BA-C7C9CDE20735}" dt="2020-10-22T20:25:25.022" v="9" actId="1076"/>
+          <ac:picMkLst>
+            <pc:docMk/>
+            <pc:sldMk cId="244327251" sldId="272"/>
+            <ac:picMk id="4" creationId="{00000000-0000-0000-0000-000000000000}"/>
+          </ac:picMkLst>
+        </pc:picChg>
       </pc:sldChg>
     </pc:docChg>
   </pc:docChgLst>
@@ -366,7 +378,7 @@
           <a:p>
             <a:fld id="{EE41F6E3-57F9-402E-BDBA-5B2DE11C8530}" type="datetimeFigureOut">
               <a:rPr lang="en-US" smtClean="0"/>
-              <a:t>12/24/2020</a:t>
+              <a:t>11/5/2021</a:t>
             </a:fld>
             <a:endParaRPr lang="en-US"/>
           </a:p>
@@ -4041,7 +4053,7 @@
           <a:p>
             <a:fld id="{4263717A-E3C1-4BED-ABE0-B7069385E023}" type="datetimeFigureOut">
               <a:rPr lang="en-US" smtClean="0"/>
-              <a:t>12/24/2020</a:t>
+              <a:t>11/5/2021</a:t>
             </a:fld>
             <a:endParaRPr lang="en-US"/>
           </a:p>
@@ -4214,7 +4226,7 @@
           <a:p>
             <a:fld id="{4263717A-E3C1-4BED-ABE0-B7069385E023}" type="datetimeFigureOut">
               <a:rPr lang="en-US" smtClean="0"/>
-              <a:t>12/24/2020</a:t>
+              <a:t>11/5/2021</a:t>
             </a:fld>
             <a:endParaRPr lang="en-US"/>
           </a:p>
@@ -4392,7 +4404,7 @@
           <a:p>
             <a:fld id="{4263717A-E3C1-4BED-ABE0-B7069385E023}" type="datetimeFigureOut">
               <a:rPr lang="en-US" smtClean="0"/>
-              <a:t>12/24/2020</a:t>
+              <a:t>11/5/2021</a:t>
             </a:fld>
             <a:endParaRPr lang="en-US"/>
           </a:p>
@@ -4560,7 +4572,7 @@
           <a:p>
             <a:fld id="{4263717A-E3C1-4BED-ABE0-B7069385E023}" type="datetimeFigureOut">
               <a:rPr lang="en-US" smtClean="0"/>
-              <a:t>12/24/2020</a:t>
+              <a:t>11/5/2021</a:t>
             </a:fld>
             <a:endParaRPr lang="en-US"/>
           </a:p>
@@ -4805,7 +4817,7 @@
           <a:p>
             <a:fld id="{4263717A-E3C1-4BED-ABE0-B7069385E023}" type="datetimeFigureOut">
               <a:rPr lang="en-US" smtClean="0"/>
-              <a:t>12/24/2020</a:t>
+              <a:t>11/5/2021</a:t>
             </a:fld>
             <a:endParaRPr lang="en-US"/>
           </a:p>
@@ -5034,7 +5046,7 @@
           <a:p>
             <a:fld id="{4263717A-E3C1-4BED-ABE0-B7069385E023}" type="datetimeFigureOut">
               <a:rPr lang="en-US" smtClean="0"/>
-              <a:t>12/24/2020</a:t>
+              <a:t>11/5/2021</a:t>
             </a:fld>
             <a:endParaRPr lang="en-US"/>
           </a:p>
@@ -5398,7 +5410,7 @@
           <a:p>
             <a:fld id="{4263717A-E3C1-4BED-ABE0-B7069385E023}" type="datetimeFigureOut">
               <a:rPr lang="en-US" smtClean="0"/>
-              <a:t>12/24/2020</a:t>
+              <a:t>11/5/2021</a:t>
             </a:fld>
             <a:endParaRPr lang="en-US"/>
           </a:p>
@@ -5515,7 +5527,7 @@
           <a:p>
             <a:fld id="{4263717A-E3C1-4BED-ABE0-B7069385E023}" type="datetimeFigureOut">
               <a:rPr lang="en-US" smtClean="0"/>
-              <a:t>12/24/2020</a:t>
+              <a:t>11/5/2021</a:t>
             </a:fld>
             <a:endParaRPr lang="en-US"/>
           </a:p>
@@ -5610,7 +5622,7 @@
           <a:p>
             <a:fld id="{4263717A-E3C1-4BED-ABE0-B7069385E023}" type="datetimeFigureOut">
               <a:rPr lang="en-US" smtClean="0"/>
-              <a:t>12/24/2020</a:t>
+              <a:t>11/5/2021</a:t>
             </a:fld>
             <a:endParaRPr lang="en-US"/>
           </a:p>
@@ -5885,7 +5897,7 @@
           <a:p>
             <a:fld id="{4263717A-E3C1-4BED-ABE0-B7069385E023}" type="datetimeFigureOut">
               <a:rPr lang="en-US" smtClean="0"/>
-              <a:t>12/24/2020</a:t>
+              <a:t>11/5/2021</a:t>
             </a:fld>
             <a:endParaRPr lang="en-US"/>
           </a:p>
@@ -6137,7 +6149,7 @@
           <a:p>
             <a:fld id="{4263717A-E3C1-4BED-ABE0-B7069385E023}" type="datetimeFigureOut">
               <a:rPr lang="en-US" smtClean="0"/>
-              <a:t>12/24/2020</a:t>
+              <a:t>11/5/2021</a:t>
             </a:fld>
             <a:endParaRPr lang="en-US"/>
           </a:p>
@@ -6348,7 +6360,7 @@
           <a:p>
             <a:fld id="{4263717A-E3C1-4BED-ABE0-B7069385E023}" type="datetimeFigureOut">
               <a:rPr lang="en-US" smtClean="0"/>
-              <a:t>12/24/2020</a:t>
+              <a:t>11/5/2021</a:t>
             </a:fld>
             <a:endParaRPr lang="en-US"/>
           </a:p>
@@ -6955,42 +6967,25 @@
           <a:lstStyle/>
           <a:p>
             <a:r>
-              <a:rPr lang="en-US" dirty="0" smtClean="0"/>
+              <a:rPr lang="en-US" dirty="0"/>
               <a:t>Keywords: </a:t>
             </a:r>
             <a:r>
-              <a:rPr lang="en-US" dirty="0" err="1" smtClean="0"/>
+              <a:rPr lang="en-US" dirty="0" err="1"/>
               <a:t>Thumbcache</a:t>
             </a:r>
             <a:r>
-              <a:rPr lang="en-US" dirty="0" smtClean="0"/>
+              <a:rPr lang="en-US" dirty="0"/>
               <a:t> (</a:t>
             </a:r>
             <a:r>
-              <a:rPr lang="en-US" dirty="0" err="1" smtClean="0"/>
+              <a:rPr lang="en-US" dirty="0" err="1"/>
               <a:t>Vinetto</a:t>
             </a:r>
             <a:r>
-              <a:rPr lang="en-US" dirty="0" smtClean="0"/>
-              <a:t>), </a:t>
-            </a:r>
-            <a:r>
-              <a:rPr lang="en-US" dirty="0"/>
-              <a:t>sticky </a:t>
-            </a:r>
-            <a:r>
-              <a:rPr lang="en-US" dirty="0" smtClean="0"/>
-              <a:t>notes, </a:t>
-            </a:r>
-            <a:r>
-              <a:rPr lang="en-US" dirty="0"/>
-              <a:t>Windows Search, </a:t>
-            </a:r>
-            <a:r>
-              <a:rPr lang="en-US" dirty="0" smtClean="0"/>
-              <a:t>csv to SQL</a:t>
-            </a:r>
-            <a:endParaRPr lang="en-US" dirty="0"/>
+              <a:rPr lang="en-US" dirty="0"/>
+              <a:t>), sticky notes, Windows Search, csv to SQL</a:t>
+            </a:r>
           </a:p>
           <a:p>
             <a:endParaRPr lang="en-US" dirty="0"/>
@@ -7884,7 +7879,7 @@
           <a:lstStyle/>
           <a:p>
             <a:r>
-              <a:rPr lang="en-US" dirty="0" smtClean="0"/>
+              <a:rPr lang="en-US" dirty="0"/>
               <a:t>Search for the locations of sticky notes</a:t>
             </a:r>
             <a:endParaRPr lang="en-US" i="1" dirty="0">
@@ -8004,7 +7999,7 @@
           <a:lstStyle/>
           <a:p>
             <a:r>
-              <a:rPr lang="en-US" dirty="0" smtClean="0"/>
+              <a:rPr lang="en-US" dirty="0"/>
               <a:t>Exam the MAC of sticky notes</a:t>
             </a:r>
             <a:endParaRPr lang="en-US" i="1" dirty="0">
@@ -8118,7 +8113,7 @@
           <a:lstStyle/>
           <a:p>
             <a:r>
-              <a:rPr lang="en-US" dirty="0" smtClean="0"/>
+              <a:rPr lang="en-US" dirty="0"/>
               <a:t>Exam the content of sticky notes</a:t>
             </a:r>
             <a:endParaRPr lang="en-US" i="1" dirty="0">
@@ -8404,15 +8399,7 @@
             </a:r>
             <a:r>
               <a:rPr lang="en-US" dirty="0"/>
-              <a:t>: </a:t>
-            </a:r>
-            <a:r>
-              <a:rPr lang="en-US" dirty="0" smtClean="0"/>
-              <a:t>Recursive </a:t>
-            </a:r>
-            <a:r>
-              <a:rPr lang="en-US" dirty="0"/>
-              <a:t>on directory entries</a:t>
+              <a:t>: Recursive on directory entries</a:t>
             </a:r>
           </a:p>
           <a:p>
@@ -8426,7 +8413,7 @@
             </a:r>
             <a:r>
               <a:rPr lang="en-US" dirty="0"/>
-              <a:t>: Time zone of original machine (i.e. EST5EDT or GMT) (only useful with -l)</a:t>
+              <a:t>: Time zone of original machine (i.e., EST5EDT or GMT) (only useful with -l)</a:t>
             </a:r>
           </a:p>
         </p:txBody>
@@ -8480,10 +8467,9 @@
           <a:lstStyle/>
           <a:p>
             <a:r>
-              <a:rPr lang="en-US" dirty="0" smtClean="0"/>
+              <a:rPr lang="en-US" dirty="0"/>
               <a:t>Search a resignation file using regular expression </a:t>
             </a:r>
-            <a:endParaRPr lang="en-US" dirty="0"/>
           </a:p>
         </p:txBody>
       </p:sp>
@@ -8576,7 +8562,7 @@
           <a:lstStyle/>
           <a:p>
             <a:r>
-              <a:rPr lang="en-US" dirty="0" smtClean="0"/>
+              <a:rPr lang="en-US" dirty="0"/>
               <a:t>Find the location of the Windows index </a:t>
             </a:r>
             <a:endParaRPr lang="en-US" i="1" dirty="0">
@@ -8666,7 +8652,7 @@
           <a:lstStyle/>
           <a:p>
             <a:r>
-              <a:rPr lang="en-US" dirty="0" smtClean="0"/>
+              <a:rPr lang="en-US" dirty="0"/>
               <a:t>Find the location of the Windows index in registry </a:t>
             </a:r>
             <a:endParaRPr lang="en-US" i="1" dirty="0">
@@ -8790,7 +8776,7 @@
           <a:lstStyle/>
           <a:p>
             <a:r>
-              <a:rPr lang="en-US" dirty="0" smtClean="0"/>
+              <a:rPr lang="en-US" dirty="0"/>
               <a:t>Find the find name of the Windows index </a:t>
             </a:r>
             <a:endParaRPr lang="en-US" i="1" dirty="0">
@@ -9118,11 +9104,11 @@
           <a:lstStyle/>
           <a:p>
             <a:r>
-              <a:rPr lang="en-US" dirty="0" smtClean="0"/>
+              <a:rPr lang="en-US" dirty="0"/>
               <a:t>Investigate </a:t>
             </a:r>
             <a:r>
-              <a:rPr lang="en-US" i="1" dirty="0" err="1" smtClean="0">
+              <a:rPr lang="en-US" i="1" dirty="0" err="1">
                 <a:solidFill>
                   <a:srgbClr val="FF0000"/>
                 </a:solidFill>
@@ -9158,27 +9144,8 @@
           <a:lstStyle/>
           <a:p>
             <a:r>
-              <a:rPr lang="en-US" dirty="0" smtClean="0"/>
+              <a:rPr lang="en-US" dirty="0"/>
               <a:t>Extract the </a:t>
-            </a:r>
-            <a:r>
-              <a:rPr lang="en-US" i="1" dirty="0" err="1" smtClean="0">
-                <a:solidFill>
-                  <a:srgbClr val="007DB5"/>
-                </a:solidFill>
-              </a:rPr>
-              <a:t>db</a:t>
-            </a:r>
-            <a:endParaRPr lang="en-US" i="1" dirty="0" smtClean="0">
-              <a:solidFill>
-                <a:srgbClr val="007DB5"/>
-              </a:solidFill>
-            </a:endParaRPr>
-          </a:p>
-          <a:p>
-            <a:r>
-              <a:rPr lang="en-US" dirty="0" smtClean="0"/>
-              <a:t>Export the </a:t>
             </a:r>
             <a:r>
               <a:rPr lang="en-US" i="1" dirty="0" err="1">
@@ -9188,17 +9155,35 @@
               </a:rPr>
               <a:t>db</a:t>
             </a:r>
-            <a:r>
-              <a:rPr lang="en-US" dirty="0" smtClean="0"/>
+            <a:endParaRPr lang="en-US" i="1" dirty="0">
+              <a:solidFill>
+                <a:srgbClr val="007DB5"/>
+              </a:solidFill>
+            </a:endParaRPr>
+          </a:p>
+          <a:p>
+            <a:r>
+              <a:rPr lang="en-US" dirty="0"/>
+              <a:t>Export the </a:t>
+            </a:r>
+            <a:r>
+              <a:rPr lang="en-US" i="1" dirty="0" err="1">
+                <a:solidFill>
+                  <a:srgbClr val="007DB5"/>
+                </a:solidFill>
+              </a:rPr>
+              <a:t>db</a:t>
+            </a:r>
+            <a:r>
+              <a:rPr lang="en-US" dirty="0"/>
               <a:t> to readable files</a:t>
             </a:r>
           </a:p>
           <a:p>
             <a:r>
-              <a:rPr lang="en-US" dirty="0" smtClean="0"/>
+              <a:rPr lang="en-US" dirty="0"/>
               <a:t>Exam each file</a:t>
             </a:r>
-            <a:endParaRPr lang="en-US" dirty="0"/>
           </a:p>
         </p:txBody>
       </p:sp>
@@ -9649,11 +9634,11 @@
           <a:lstStyle/>
           <a:p>
             <a:r>
-              <a:rPr lang="en-US" dirty="0" smtClean="0"/>
+              <a:rPr lang="en-US" dirty="0"/>
               <a:t>Show field names </a:t>
             </a:r>
             <a:r>
-              <a:rPr lang="en-US" smtClean="0"/>
+              <a:rPr lang="en-US"/>
               <a:t>of a file </a:t>
             </a:r>
             <a:endParaRPr lang="en-US" i="1" dirty="0">
@@ -9976,10 +9961,9 @@
           <a:lstStyle/>
           <a:p>
             <a:r>
-              <a:rPr lang="en-US" dirty="0" smtClean="0"/>
+              <a:rPr lang="en-US" dirty="0"/>
               <a:t>Exam the details of a MFT entry</a:t>
             </a:r>
-            <a:endParaRPr lang="en-US" dirty="0"/>
           </a:p>
         </p:txBody>
       </p:sp>
